--- a/撲克21點游戲 final.pptx
+++ b/撲克21點游戲 final.pptx
@@ -12,13 +12,14 @@
     <p:sldId id="260" r:id="rId6"/>
     <p:sldId id="261" r:id="rId7"/>
     <p:sldId id="262" r:id="rId8"/>
-    <p:sldId id="263" r:id="rId9"/>
-    <p:sldId id="269" r:id="rId10"/>
-    <p:sldId id="264" r:id="rId11"/>
-    <p:sldId id="265" r:id="rId12"/>
-    <p:sldId id="266" r:id="rId13"/>
-    <p:sldId id="267" r:id="rId14"/>
-    <p:sldId id="268" r:id="rId15"/>
+    <p:sldId id="270" r:id="rId9"/>
+    <p:sldId id="263" r:id="rId10"/>
+    <p:sldId id="269" r:id="rId11"/>
+    <p:sldId id="264" r:id="rId12"/>
+    <p:sldId id="265" r:id="rId13"/>
+    <p:sldId id="266" r:id="rId14"/>
+    <p:sldId id="267" r:id="rId15"/>
+    <p:sldId id="268" r:id="rId16"/>
   </p:sldIdLst>
   <p:sldSz cx="18288000" cy="10287000"/>
   <p:notesSz cx="18288000" cy="10287000"/>
@@ -197,7 +198,7 @@
           <a:p>
             <a:fld id="{1D8BD707-D9CF-40AE-B4C6-C98DA3205C09}" type="datetimeFigureOut">
               <a:rPr lang="en-US"/>
-              <a:t>6/16/2025</a:t>
+              <a:t>6/17/2025</a:t>
             </a:fld>
             <a:endParaRPr lang="en-US"/>
           </a:p>
@@ -374,7 +375,7 @@
           <a:p>
             <a:fld id="{1D8BD707-D9CF-40AE-B4C6-C98DA3205C09}" type="datetimeFigureOut">
               <a:rPr lang="en-US"/>
-              <a:t>6/16/2025</a:t>
+              <a:t>6/17/2025</a:t>
             </a:fld>
             <a:endParaRPr lang="en-US"/>
           </a:p>
@@ -600,7 +601,7 @@
           <a:p>
             <a:fld id="{1D8BD707-D9CF-40AE-B4C6-C98DA3205C09}" type="datetimeFigureOut">
               <a:rPr lang="en-US"/>
-              <a:t>6/16/2025</a:t>
+              <a:t>6/17/2025</a:t>
             </a:fld>
             <a:endParaRPr lang="en-US"/>
           </a:p>
@@ -778,7 +779,7 @@
           <a:p>
             <a:fld id="{1D8BD707-D9CF-40AE-B4C6-C98DA3205C09}" type="datetimeFigureOut">
               <a:rPr lang="en-US"/>
-              <a:t>6/16/2025</a:t>
+              <a:t>6/17/2025</a:t>
             </a:fld>
             <a:endParaRPr lang="en-US"/>
           </a:p>
@@ -897,7 +898,7 @@
           <a:p>
             <a:fld id="{1D8BD707-D9CF-40AE-B4C6-C98DA3205C09}" type="datetimeFigureOut">
               <a:rPr lang="en-US"/>
-              <a:t>6/16/2025</a:t>
+              <a:t>6/17/2025</a:t>
             </a:fld>
             <a:endParaRPr lang="en-US"/>
           </a:p>
@@ -1122,7 +1123,7 @@
           <a:p>
             <a:fld id="{1D8BD707-D9CF-40AE-B4C6-C98DA3205C09}" type="datetimeFigureOut">
               <a:rPr lang="en-US"/>
-              <a:t>6/16/2025</a:t>
+              <a:t>6/17/2025</a:t>
             </a:fld>
             <a:endParaRPr lang="en-US"/>
           </a:p>
@@ -1558,6 +1559,109 @@
 </file>
 
 <file path=ppt/slides/slide10.xml><?xml version="1.0" encoding="utf-8"?>
+<p:sld xmlns:a="http://schemas.openxmlformats.org/drawingml/2006/main" xmlns:r="http://schemas.openxmlformats.org/officeDocument/2006/relationships" xmlns:p="http://schemas.openxmlformats.org/presentationml/2006/main">
+  <p:cSld>
+    <p:spTree>
+      <p:nvGrpSpPr>
+        <p:cNvPr id="1" name=""/>
+        <p:cNvGrpSpPr/>
+        <p:nvPr/>
+      </p:nvGrpSpPr>
+      <p:grpSpPr>
+        <a:xfrm>
+          <a:off x="0" y="0"/>
+          <a:ext cx="0" cy="0"/>
+          <a:chOff x="0" y="0"/>
+          <a:chExt cx="0" cy="0"/>
+        </a:xfrm>
+      </p:grpSpPr>
+      <p:sp>
+        <p:nvSpPr>
+          <p:cNvPr id="2" name="標題 1">
+            <a:extLst>
+              <a:ext uri="{FF2B5EF4-FFF2-40B4-BE49-F238E27FC236}">
+                <a16:creationId xmlns:a16="http://schemas.microsoft.com/office/drawing/2014/main" id="{66C9E3E2-1E83-44E6-90C8-CC999E57AEA0}"/>
+              </a:ext>
+            </a:extLst>
+          </p:cNvPr>
+          <p:cNvSpPr>
+            <a:spLocks noGrp="1"/>
+          </p:cNvSpPr>
+          <p:nvPr>
+            <p:ph type="title"/>
+          </p:nvPr>
+        </p:nvSpPr>
+        <p:spPr>
+          <a:xfrm>
+            <a:off x="5067300" y="723900"/>
+            <a:ext cx="8153400" cy="1059180"/>
+          </a:xfrm>
+        </p:spPr>
+        <p:txBody>
+          <a:bodyPr/>
+          <a:lstStyle/>
+          <a:p>
+            <a:pPr algn="ctr"/>
+            <a:r>
+              <a:rPr lang="zh-CN" altLang="en-US" dirty="0">
+                <a:latin typeface="標楷體" panose="03000509000000000000" pitchFamily="65" charset="-120"/>
+                <a:ea typeface="標楷體" panose="03000509000000000000" pitchFamily="65" charset="-120"/>
+              </a:rPr>
+              <a:t>主菜單</a:t>
+            </a:r>
+            <a:endParaRPr lang="zh-TW" altLang="en-US" dirty="0">
+              <a:latin typeface="標楷體" panose="03000509000000000000" pitchFamily="65" charset="-120"/>
+              <a:ea typeface="標楷體" panose="03000509000000000000" pitchFamily="65" charset="-120"/>
+            </a:endParaRPr>
+          </a:p>
+        </p:txBody>
+      </p:sp>
+      <p:pic>
+        <p:nvPicPr>
+          <p:cNvPr id="5" name="object 4">
+            <a:extLst>
+              <a:ext uri="{FF2B5EF4-FFF2-40B4-BE49-F238E27FC236}">
+                <a16:creationId xmlns:a16="http://schemas.microsoft.com/office/drawing/2014/main" id="{B8A90A6F-3C72-4986-9647-A56D0367ACA0}"/>
+              </a:ext>
+            </a:extLst>
+          </p:cNvPr>
+          <p:cNvPicPr>
+            <a:picLocks noGrp="1"/>
+          </p:cNvPicPr>
+          <p:nvPr>
+            <p:ph sz="half" idx="2"/>
+          </p:nvPr>
+        </p:nvPicPr>
+        <p:blipFill>
+          <a:blip r:embed="rId2" cstate="print"/>
+          <a:stretch>
+            <a:fillRect/>
+          </a:stretch>
+        </p:blipFill>
+        <p:spPr>
+          <a:xfrm>
+            <a:off x="6264000" y="3181500"/>
+            <a:ext cx="5760000" cy="3924000"/>
+          </a:xfrm>
+          <a:prstGeom prst="rect">
+            <a:avLst/>
+          </a:prstGeom>
+        </p:spPr>
+      </p:pic>
+    </p:spTree>
+    <p:extLst>
+      <p:ext uri="{BB962C8B-B14F-4D97-AF65-F5344CB8AC3E}">
+        <p14:creationId xmlns:p14="http://schemas.microsoft.com/office/powerpoint/2010/main" val="2782395636"/>
+      </p:ext>
+    </p:extLst>
+  </p:cSld>
+  <p:clrMapOvr>
+    <a:masterClrMapping/>
+  </p:clrMapOvr>
+</p:sld>
+</file>
+
+<file path=ppt/slides/slide11.xml><?xml version="1.0" encoding="utf-8"?>
 <p:sld xmlns:a="http://schemas.openxmlformats.org/drawingml/2006/main" xmlns:r="http://schemas.openxmlformats.org/officeDocument/2006/relationships" xmlns:p="http://schemas.openxmlformats.org/presentationml/2006/main" showMasterSp="0">
   <p:cSld>
     <p:spTree>
@@ -3571,7 +3675,7 @@
 </p:sld>
 </file>
 
-<file path=ppt/slides/slide11.xml><?xml version="1.0" encoding="utf-8"?>
+<file path=ppt/slides/slide12.xml><?xml version="1.0" encoding="utf-8"?>
 <p:sld xmlns:a="http://schemas.openxmlformats.org/drawingml/2006/main" xmlns:r="http://schemas.openxmlformats.org/officeDocument/2006/relationships" xmlns:p="http://schemas.openxmlformats.org/presentationml/2006/main" showMasterSp="0">
   <p:cSld>
     <p:spTree>
@@ -4301,7 +4405,7 @@
 </p:sld>
 </file>
 
-<file path=ppt/slides/slide12.xml><?xml version="1.0" encoding="utf-8"?>
+<file path=ppt/slides/slide13.xml><?xml version="1.0" encoding="utf-8"?>
 <p:sld xmlns:a="http://schemas.openxmlformats.org/drawingml/2006/main" xmlns:r="http://schemas.openxmlformats.org/officeDocument/2006/relationships" xmlns:p="http://schemas.openxmlformats.org/presentationml/2006/main" showMasterSp="0">
   <p:cSld>
     <p:spTree>
@@ -4628,7 +4732,7 @@
 </p:sld>
 </file>
 
-<file path=ppt/slides/slide13.xml><?xml version="1.0" encoding="utf-8"?>
+<file path=ppt/slides/slide14.xml><?xml version="1.0" encoding="utf-8"?>
 <p:sld xmlns:a="http://schemas.openxmlformats.org/drawingml/2006/main" xmlns:r="http://schemas.openxmlformats.org/officeDocument/2006/relationships" xmlns:p="http://schemas.openxmlformats.org/presentationml/2006/main" showMasterSp="0">
   <p:cSld>
     <p:spTree>
@@ -5844,7 +5948,7 @@
 </p:sld>
 </file>
 
-<file path=ppt/slides/slide14.xml><?xml version="1.0" encoding="utf-8"?>
+<file path=ppt/slides/slide15.xml><?xml version="1.0" encoding="utf-8"?>
 <p:sld xmlns:a="http://schemas.openxmlformats.org/drawingml/2006/main" xmlns:r="http://schemas.openxmlformats.org/officeDocument/2006/relationships" xmlns:p="http://schemas.openxmlformats.org/presentationml/2006/main" showMasterSp="0">
   <p:cSld>
     <p:spTree>
@@ -15389,6 +15493,1205 @@
 </file>
 
 <file path=ppt/slides/slide8.xml><?xml version="1.0" encoding="utf-8"?>
+<p:sld xmlns:a="http://schemas.openxmlformats.org/drawingml/2006/main" xmlns:r="http://schemas.openxmlformats.org/officeDocument/2006/relationships" xmlns:p="http://schemas.openxmlformats.org/presentationml/2006/main">
+  <p:cSld>
+    <p:spTree>
+      <p:nvGrpSpPr>
+        <p:cNvPr id="1" name=""/>
+        <p:cNvGrpSpPr/>
+        <p:nvPr/>
+      </p:nvGrpSpPr>
+      <p:grpSpPr>
+        <a:xfrm>
+          <a:off x="0" y="0"/>
+          <a:ext cx="0" cy="0"/>
+          <a:chOff x="0" y="0"/>
+          <a:chExt cx="0" cy="0"/>
+        </a:xfrm>
+      </p:grpSpPr>
+      <p:sp>
+        <p:nvSpPr>
+          <p:cNvPr id="2" name="object 2">
+            <a:extLst>
+              <a:ext uri="{FF2B5EF4-FFF2-40B4-BE49-F238E27FC236}">
+                <a16:creationId xmlns:a16="http://schemas.microsoft.com/office/drawing/2014/main" id="{A29EF63A-8608-4C5D-9547-8495E8497E70}"/>
+              </a:ext>
+            </a:extLst>
+          </p:cNvPr>
+          <p:cNvSpPr/>
+          <p:nvPr/>
+        </p:nvSpPr>
+        <p:spPr>
+          <a:xfrm>
+            <a:off x="2376881" y="2999891"/>
+            <a:ext cx="13511530" cy="4897120"/>
+          </a:xfrm>
+          <a:custGeom>
+            <a:avLst/>
+            <a:gdLst/>
+            <a:ahLst/>
+            <a:cxnLst/>
+            <a:rect l="l" t="t" r="r" b="b"/>
+            <a:pathLst>
+              <a:path w="13511530" h="4897120">
+                <a:moveTo>
+                  <a:pt x="521030" y="644258"/>
+                </a:moveTo>
+                <a:lnTo>
+                  <a:pt x="452450" y="644258"/>
+                </a:lnTo>
+                <a:lnTo>
+                  <a:pt x="452450" y="1075016"/>
+                </a:lnTo>
+                <a:lnTo>
+                  <a:pt x="521030" y="1075016"/>
+                </a:lnTo>
+                <a:lnTo>
+                  <a:pt x="521030" y="644258"/>
+                </a:lnTo>
+                <a:close/>
+              </a:path>
+              <a:path w="13511530" h="4897120">
+                <a:moveTo>
+                  <a:pt x="13511467" y="2628"/>
+                </a:moveTo>
+                <a:lnTo>
+                  <a:pt x="13508825" y="0"/>
+                </a:lnTo>
+                <a:lnTo>
+                  <a:pt x="13486537" y="0"/>
+                </a:lnTo>
+                <a:lnTo>
+                  <a:pt x="13486537" y="28575"/>
+                </a:lnTo>
+                <a:lnTo>
+                  <a:pt x="13486537" y="4071175"/>
+                </a:lnTo>
+                <a:lnTo>
+                  <a:pt x="13485076" y="4119689"/>
+                </a:lnTo>
+                <a:lnTo>
+                  <a:pt x="13480745" y="4167467"/>
+                </a:lnTo>
+                <a:lnTo>
+                  <a:pt x="13473633" y="4214431"/>
+                </a:lnTo>
+                <a:lnTo>
+                  <a:pt x="13463804" y="4260507"/>
+                </a:lnTo>
+                <a:lnTo>
+                  <a:pt x="13451434" y="4305351"/>
+                </a:lnTo>
+                <a:lnTo>
+                  <a:pt x="13451345" y="4305605"/>
+                </a:lnTo>
+                <a:lnTo>
+                  <a:pt x="13436486" y="4349229"/>
+                </a:lnTo>
+                <a:lnTo>
+                  <a:pt x="13419100" y="4391914"/>
+                </a:lnTo>
+                <a:lnTo>
+                  <a:pt x="13399351" y="4433341"/>
+                </a:lnTo>
+                <a:lnTo>
+                  <a:pt x="13377317" y="4473410"/>
+                </a:lnTo>
+                <a:lnTo>
+                  <a:pt x="13353098" y="4512043"/>
+                </a:lnTo>
+                <a:lnTo>
+                  <a:pt x="13326758" y="4549152"/>
+                </a:lnTo>
+                <a:lnTo>
+                  <a:pt x="13298386" y="4584662"/>
+                </a:lnTo>
+                <a:lnTo>
+                  <a:pt x="13268084" y="4618494"/>
+                </a:lnTo>
+                <a:lnTo>
+                  <a:pt x="13235915" y="4650537"/>
+                </a:lnTo>
+                <a:lnTo>
+                  <a:pt x="13201968" y="4680737"/>
+                </a:lnTo>
+                <a:lnTo>
+                  <a:pt x="13166319" y="4709007"/>
+                </a:lnTo>
+                <a:lnTo>
+                  <a:pt x="13129070" y="4735246"/>
+                </a:lnTo>
+                <a:lnTo>
+                  <a:pt x="13090297" y="4759388"/>
+                </a:lnTo>
+                <a:lnTo>
+                  <a:pt x="13050076" y="4781334"/>
+                </a:lnTo>
+                <a:lnTo>
+                  <a:pt x="13008496" y="4801019"/>
+                </a:lnTo>
+                <a:lnTo>
+                  <a:pt x="12965646" y="4818354"/>
+                </a:lnTo>
+                <a:lnTo>
+                  <a:pt x="12921602" y="4833239"/>
+                </a:lnTo>
+                <a:lnTo>
+                  <a:pt x="12876454" y="4845609"/>
+                </a:lnTo>
+                <a:lnTo>
+                  <a:pt x="12830277" y="4855375"/>
+                </a:lnTo>
+                <a:lnTo>
+                  <a:pt x="12783160" y="4862461"/>
+                </a:lnTo>
+                <a:lnTo>
+                  <a:pt x="12735179" y="4866767"/>
+                </a:lnTo>
+                <a:lnTo>
+                  <a:pt x="12686437" y="4868227"/>
+                </a:lnTo>
+                <a:lnTo>
+                  <a:pt x="28575" y="4868227"/>
+                </a:lnTo>
+                <a:lnTo>
+                  <a:pt x="28575" y="825715"/>
+                </a:lnTo>
+                <a:lnTo>
+                  <a:pt x="30035" y="777201"/>
+                </a:lnTo>
+                <a:lnTo>
+                  <a:pt x="34353" y="729411"/>
+                </a:lnTo>
+                <a:lnTo>
+                  <a:pt x="41452" y="682447"/>
+                </a:lnTo>
+                <a:lnTo>
+                  <a:pt x="51257" y="636435"/>
+                </a:lnTo>
+                <a:lnTo>
+                  <a:pt x="63728" y="591273"/>
+                </a:lnTo>
+                <a:lnTo>
+                  <a:pt x="78613" y="547573"/>
+                </a:lnTo>
+                <a:lnTo>
+                  <a:pt x="96012" y="504875"/>
+                </a:lnTo>
+                <a:lnTo>
+                  <a:pt x="115760" y="463461"/>
+                </a:lnTo>
+                <a:lnTo>
+                  <a:pt x="137795" y="423379"/>
+                </a:lnTo>
+                <a:lnTo>
+                  <a:pt x="162013" y="384746"/>
+                </a:lnTo>
+                <a:lnTo>
+                  <a:pt x="188353" y="347637"/>
+                </a:lnTo>
+                <a:lnTo>
+                  <a:pt x="216712" y="312127"/>
+                </a:lnTo>
+                <a:lnTo>
+                  <a:pt x="247027" y="278307"/>
+                </a:lnTo>
+                <a:lnTo>
+                  <a:pt x="279196" y="246253"/>
+                </a:lnTo>
+                <a:lnTo>
+                  <a:pt x="313143" y="216052"/>
+                </a:lnTo>
+                <a:lnTo>
+                  <a:pt x="348780" y="187794"/>
+                </a:lnTo>
+                <a:lnTo>
+                  <a:pt x="386029" y="161544"/>
+                </a:lnTo>
+                <a:lnTo>
+                  <a:pt x="424815" y="137401"/>
+                </a:lnTo>
+                <a:lnTo>
+                  <a:pt x="465023" y="115455"/>
+                </a:lnTo>
+                <a:lnTo>
+                  <a:pt x="506603" y="95770"/>
+                </a:lnTo>
+                <a:lnTo>
+                  <a:pt x="549452" y="78447"/>
+                </a:lnTo>
+                <a:lnTo>
+                  <a:pt x="593509" y="63550"/>
+                </a:lnTo>
+                <a:lnTo>
+                  <a:pt x="638657" y="51181"/>
+                </a:lnTo>
+                <a:lnTo>
+                  <a:pt x="684834" y="41414"/>
+                </a:lnTo>
+                <a:lnTo>
+                  <a:pt x="731951" y="34340"/>
+                </a:lnTo>
+                <a:lnTo>
+                  <a:pt x="779919" y="30022"/>
+                </a:lnTo>
+                <a:lnTo>
+                  <a:pt x="828675" y="28575"/>
+                </a:lnTo>
+                <a:lnTo>
+                  <a:pt x="13486537" y="28575"/>
+                </a:lnTo>
+                <a:lnTo>
+                  <a:pt x="13486537" y="0"/>
+                </a:lnTo>
+                <a:lnTo>
+                  <a:pt x="833056" y="0"/>
+                </a:lnTo>
+                <a:lnTo>
+                  <a:pt x="828675" y="0"/>
+                </a:lnTo>
+                <a:lnTo>
+                  <a:pt x="779983" y="1397"/>
+                </a:lnTo>
+                <a:lnTo>
+                  <a:pt x="732040" y="5549"/>
+                </a:lnTo>
+                <a:lnTo>
+                  <a:pt x="684923" y="12382"/>
+                </a:lnTo>
+                <a:lnTo>
+                  <a:pt x="638695" y="21805"/>
+                </a:lnTo>
+                <a:lnTo>
+                  <a:pt x="593432" y="33743"/>
+                </a:lnTo>
+                <a:lnTo>
+                  <a:pt x="549224" y="48133"/>
+                </a:lnTo>
+                <a:lnTo>
+                  <a:pt x="506145" y="64884"/>
+                </a:lnTo>
+                <a:lnTo>
+                  <a:pt x="464273" y="83921"/>
+                </a:lnTo>
+                <a:lnTo>
+                  <a:pt x="423684" y="105168"/>
+                </a:lnTo>
+                <a:lnTo>
+                  <a:pt x="384467" y="128549"/>
+                </a:lnTo>
+                <a:lnTo>
+                  <a:pt x="346684" y="153974"/>
+                </a:lnTo>
+                <a:lnTo>
+                  <a:pt x="310413" y="181394"/>
+                </a:lnTo>
+                <a:lnTo>
+                  <a:pt x="275742" y="210705"/>
+                </a:lnTo>
+                <a:lnTo>
+                  <a:pt x="242735" y="241833"/>
+                </a:lnTo>
+                <a:lnTo>
+                  <a:pt x="211493" y="274713"/>
+                </a:lnTo>
+                <a:lnTo>
+                  <a:pt x="182067" y="309257"/>
+                </a:lnTo>
+                <a:lnTo>
+                  <a:pt x="154559" y="345401"/>
+                </a:lnTo>
+                <a:lnTo>
+                  <a:pt x="129032" y="383044"/>
+                </a:lnTo>
+                <a:lnTo>
+                  <a:pt x="105562" y="422135"/>
+                </a:lnTo>
+                <a:lnTo>
+                  <a:pt x="84239" y="462572"/>
+                </a:lnTo>
+                <a:lnTo>
+                  <a:pt x="65125" y="504304"/>
+                </a:lnTo>
+                <a:lnTo>
+                  <a:pt x="48310" y="547230"/>
+                </a:lnTo>
+                <a:lnTo>
+                  <a:pt x="48209" y="547573"/>
+                </a:lnTo>
+                <a:lnTo>
+                  <a:pt x="33832" y="591451"/>
+                </a:lnTo>
+                <a:lnTo>
+                  <a:pt x="21882" y="636435"/>
+                </a:lnTo>
+                <a:lnTo>
+                  <a:pt x="12420" y="682447"/>
+                </a:lnTo>
+                <a:lnTo>
+                  <a:pt x="5575" y="729411"/>
+                </a:lnTo>
+                <a:lnTo>
+                  <a:pt x="1397" y="777201"/>
+                </a:lnTo>
+                <a:lnTo>
+                  <a:pt x="0" y="825715"/>
+                </a:lnTo>
+                <a:lnTo>
+                  <a:pt x="0" y="4890516"/>
+                </a:lnTo>
+                <a:lnTo>
+                  <a:pt x="6375" y="4896828"/>
+                </a:lnTo>
+                <a:lnTo>
+                  <a:pt x="12686538" y="4896828"/>
+                </a:lnTo>
+                <a:lnTo>
+                  <a:pt x="12735217" y="4895494"/>
+                </a:lnTo>
+                <a:lnTo>
+                  <a:pt x="12783160" y="4891341"/>
+                </a:lnTo>
+                <a:lnTo>
+                  <a:pt x="12830289" y="4884509"/>
+                </a:lnTo>
+                <a:lnTo>
+                  <a:pt x="12876517" y="4875085"/>
+                </a:lnTo>
+                <a:lnTo>
+                  <a:pt x="12921768" y="4863147"/>
+                </a:lnTo>
+                <a:lnTo>
+                  <a:pt x="12965976" y="4848758"/>
+                </a:lnTo>
+                <a:lnTo>
+                  <a:pt x="13009055" y="4832007"/>
+                </a:lnTo>
+                <a:lnTo>
+                  <a:pt x="13050927" y="4812970"/>
+                </a:lnTo>
+                <a:lnTo>
+                  <a:pt x="13091516" y="4791722"/>
+                </a:lnTo>
+                <a:lnTo>
+                  <a:pt x="13130746" y="4768342"/>
+                </a:lnTo>
+                <a:lnTo>
+                  <a:pt x="13168529" y="4742904"/>
+                </a:lnTo>
+                <a:lnTo>
+                  <a:pt x="13204787" y="4715497"/>
+                </a:lnTo>
+                <a:lnTo>
+                  <a:pt x="13239471" y="4686185"/>
+                </a:lnTo>
+                <a:lnTo>
+                  <a:pt x="13272465" y="4655058"/>
+                </a:lnTo>
+                <a:lnTo>
+                  <a:pt x="13303707" y="4622177"/>
+                </a:lnTo>
+                <a:lnTo>
+                  <a:pt x="13333133" y="4587633"/>
+                </a:lnTo>
+                <a:lnTo>
+                  <a:pt x="13360641" y="4551489"/>
+                </a:lnTo>
+                <a:lnTo>
+                  <a:pt x="13386168" y="4513846"/>
+                </a:lnTo>
+                <a:lnTo>
+                  <a:pt x="13409638" y="4474756"/>
+                </a:lnTo>
+                <a:lnTo>
+                  <a:pt x="13430961" y="4434306"/>
+                </a:lnTo>
+                <a:lnTo>
+                  <a:pt x="13450075" y="4392587"/>
+                </a:lnTo>
+                <a:lnTo>
+                  <a:pt x="13466890" y="4349661"/>
+                </a:lnTo>
+                <a:lnTo>
+                  <a:pt x="13481330" y="4305605"/>
+                </a:lnTo>
+                <a:lnTo>
+                  <a:pt x="13493344" y="4260367"/>
+                </a:lnTo>
+                <a:lnTo>
+                  <a:pt x="13502780" y="4214431"/>
+                </a:lnTo>
+                <a:lnTo>
+                  <a:pt x="13509638" y="4167467"/>
+                </a:lnTo>
+                <a:lnTo>
+                  <a:pt x="13511467" y="4146512"/>
+                </a:lnTo>
+                <a:lnTo>
+                  <a:pt x="13511467" y="28575"/>
+                </a:lnTo>
+                <a:lnTo>
+                  <a:pt x="13511467" y="14287"/>
+                </a:lnTo>
+                <a:lnTo>
+                  <a:pt x="13511467" y="2628"/>
+                </a:lnTo>
+                <a:close/>
+              </a:path>
+            </a:pathLst>
+          </a:custGeom>
+          <a:solidFill>
+            <a:srgbClr val="4472C3"/>
+          </a:solidFill>
+        </p:spPr>
+        <p:txBody>
+          <a:bodyPr wrap="square" lIns="0" tIns="0" rIns="0" bIns="0" rtlCol="0"/>
+          <a:lstStyle/>
+          <a:p>
+            <a:endParaRPr>
+              <a:latin typeface="+mn-ea"/>
+              <a:ea typeface="+mn-ea"/>
+            </a:endParaRPr>
+          </a:p>
+        </p:txBody>
+      </p:sp>
+      <p:sp>
+        <p:nvSpPr>
+          <p:cNvPr id="3" name="object 3">
+            <a:extLst>
+              <a:ext uri="{FF2B5EF4-FFF2-40B4-BE49-F238E27FC236}">
+                <a16:creationId xmlns:a16="http://schemas.microsoft.com/office/drawing/2014/main" id="{752FD7AF-5FD2-4FD3-9058-8151E7AC6702}"/>
+              </a:ext>
+            </a:extLst>
+          </p:cNvPr>
+          <p:cNvSpPr txBox="1"/>
+          <p:nvPr/>
+        </p:nvSpPr>
+        <p:spPr>
+          <a:xfrm>
+            <a:off x="3128246" y="3532161"/>
+            <a:ext cx="12416554" cy="3049553"/>
+          </a:xfrm>
+          <a:prstGeom prst="rect">
+            <a:avLst/>
+          </a:prstGeom>
+        </p:spPr>
+        <p:txBody>
+          <a:bodyPr vert="horz" wrap="square" lIns="0" tIns="17780" rIns="0" bIns="0" rtlCol="0">
+            <a:spAutoFit/>
+          </a:bodyPr>
+          <a:lstStyle/>
+          <a:p>
+            <a:pPr marL="12700">
+              <a:lnSpc>
+                <a:spcPct val="100000"/>
+              </a:lnSpc>
+              <a:spcBef>
+                <a:spcPts val="140"/>
+              </a:spcBef>
+            </a:pPr>
+            <a:r>
+              <a:rPr lang="en-US" altLang="zh-CN" sz="2400" spc="-370" dirty="0">
+                <a:solidFill>
+                  <a:srgbClr val="252525"/>
+                </a:solidFill>
+                <a:latin typeface="標楷體" panose="03000509000000000000" pitchFamily="65" charset="-120"/>
+                <a:ea typeface="標楷體" panose="03000509000000000000" pitchFamily="65" charset="-120"/>
+                <a:cs typeface="SimSun"/>
+              </a:rPr>
+              <a:t>Form </a:t>
+            </a:r>
+            <a:r>
+              <a:rPr lang="zh-CN" altLang="en-US" sz="2400" spc="-370" dirty="0">
+                <a:solidFill>
+                  <a:srgbClr val="252525"/>
+                </a:solidFill>
+                <a:latin typeface="標楷體" panose="03000509000000000000" pitchFamily="65" charset="-120"/>
+                <a:ea typeface="標楷體" panose="03000509000000000000" pitchFamily="65" charset="-120"/>
+                <a:cs typeface="SimSun"/>
+              </a:rPr>
+              <a:t>介绍</a:t>
+            </a:r>
+            <a:endParaRPr lang="en-US" altLang="zh-CN" sz="2400" spc="-370" dirty="0">
+              <a:solidFill>
+                <a:srgbClr val="252525"/>
+              </a:solidFill>
+              <a:latin typeface="標楷體" panose="03000509000000000000" pitchFamily="65" charset="-120"/>
+              <a:ea typeface="標楷體" panose="03000509000000000000" pitchFamily="65" charset="-120"/>
+              <a:cs typeface="SimSun"/>
+            </a:endParaRPr>
+          </a:p>
+          <a:p>
+            <a:pPr marL="355600" indent="-342900">
+              <a:lnSpc>
+                <a:spcPct val="100000"/>
+              </a:lnSpc>
+              <a:spcBef>
+                <a:spcPts val="140"/>
+              </a:spcBef>
+              <a:buFont typeface="Arial" panose="020B0604020202020204" pitchFamily="34" charset="0"/>
+              <a:buChar char="•"/>
+            </a:pPr>
+            <a:r>
+              <a:rPr lang="en-US" altLang="zh-CN" sz="2400" spc="-370" dirty="0" err="1">
+                <a:solidFill>
+                  <a:srgbClr val="252525"/>
+                </a:solidFill>
+                <a:latin typeface="標楷體" panose="03000509000000000000" pitchFamily="65" charset="-120"/>
+                <a:ea typeface="標楷體" panose="03000509000000000000" pitchFamily="65" charset="-120"/>
+                <a:cs typeface="SimSun"/>
+              </a:rPr>
+              <a:t>LoginForm</a:t>
+            </a:r>
+            <a:r>
+              <a:rPr lang="zh-CN" altLang="en-US" sz="2400" dirty="0">
+                <a:latin typeface="標楷體" panose="03000509000000000000" pitchFamily="65" charset="-120"/>
+                <a:ea typeface="標楷體" panose="03000509000000000000" pitchFamily="65" charset="-120"/>
+              </a:rPr>
+              <a:t>（登录表单）</a:t>
+            </a:r>
+            <a:r>
+              <a:rPr lang="en-US" altLang="zh-CN" sz="2400" spc="-370" dirty="0">
+                <a:solidFill>
+                  <a:srgbClr val="252525"/>
+                </a:solidFill>
+                <a:latin typeface="標楷體" panose="03000509000000000000" pitchFamily="65" charset="-120"/>
+                <a:ea typeface="標楷體" panose="03000509000000000000" pitchFamily="65" charset="-120"/>
+                <a:cs typeface="SimSun"/>
+              </a:rPr>
+              <a:t>:</a:t>
+            </a:r>
+            <a:r>
+              <a:rPr lang="zh-CN" altLang="en-US" sz="2400" dirty="0">
+                <a:latin typeface="標楷體" panose="03000509000000000000" pitchFamily="65" charset="-120"/>
+                <a:ea typeface="標楷體" panose="03000509000000000000" pitchFamily="65" charset="-120"/>
+              </a:rPr>
+              <a:t>用于用户身份验证，用户通过输入用户名</a:t>
+            </a:r>
+            <a:r>
+              <a:rPr lang="en-US" altLang="zh-CN" sz="2400" dirty="0">
+                <a:latin typeface="標楷體" panose="03000509000000000000" pitchFamily="65" charset="-120"/>
+                <a:ea typeface="標楷體" panose="03000509000000000000" pitchFamily="65" charset="-120"/>
+              </a:rPr>
+              <a:t>/</a:t>
+            </a:r>
+            <a:r>
+              <a:rPr lang="zh-CN" altLang="en-US" sz="2400" dirty="0">
+                <a:latin typeface="標楷體" panose="03000509000000000000" pitchFamily="65" charset="-120"/>
+                <a:ea typeface="標楷體" panose="03000509000000000000" pitchFamily="65" charset="-120"/>
+              </a:rPr>
+              <a:t>电子邮件和密码来登录系统。成功登录后，用户可以访问其账户或应用功能。</a:t>
+            </a:r>
+            <a:endParaRPr lang="en-US" altLang="zh-CN" sz="2400" spc="-370" dirty="0">
+              <a:solidFill>
+                <a:srgbClr val="252525"/>
+              </a:solidFill>
+              <a:latin typeface="標楷體" panose="03000509000000000000" pitchFamily="65" charset="-120"/>
+              <a:ea typeface="標楷體" panose="03000509000000000000" pitchFamily="65" charset="-120"/>
+              <a:cs typeface="SimSun"/>
+            </a:endParaRPr>
+          </a:p>
+          <a:p>
+            <a:pPr marL="355600" indent="-342900">
+              <a:lnSpc>
+                <a:spcPct val="100000"/>
+              </a:lnSpc>
+              <a:spcBef>
+                <a:spcPts val="140"/>
+              </a:spcBef>
+              <a:buFont typeface="Arial" panose="020B0604020202020204" pitchFamily="34" charset="0"/>
+              <a:buChar char="•"/>
+            </a:pPr>
+            <a:r>
+              <a:rPr lang="en-US" altLang="zh-CN" sz="2400" spc="-370" dirty="0" err="1">
+                <a:solidFill>
+                  <a:srgbClr val="252525"/>
+                </a:solidFill>
+                <a:latin typeface="標楷體" panose="03000509000000000000" pitchFamily="65" charset="-120"/>
+                <a:ea typeface="標楷體" panose="03000509000000000000" pitchFamily="65" charset="-120"/>
+                <a:cs typeface="SimSun"/>
+              </a:rPr>
+              <a:t>UpdatePasswordForm</a:t>
+            </a:r>
+            <a:r>
+              <a:rPr lang="zh-CN" altLang="en-US" sz="2400" dirty="0">
+                <a:latin typeface="標楷體" panose="03000509000000000000" pitchFamily="65" charset="-120"/>
+                <a:ea typeface="標楷體" panose="03000509000000000000" pitchFamily="65" charset="-120"/>
+              </a:rPr>
+              <a:t>（更新密码表单）</a:t>
+            </a:r>
+            <a:r>
+              <a:rPr lang="en-US" altLang="zh-CN" sz="2400" spc="-370" dirty="0">
+                <a:solidFill>
+                  <a:srgbClr val="252525"/>
+                </a:solidFill>
+                <a:latin typeface="標楷體" panose="03000509000000000000" pitchFamily="65" charset="-120"/>
+                <a:ea typeface="標楷體" panose="03000509000000000000" pitchFamily="65" charset="-120"/>
+                <a:cs typeface="SimSun"/>
+              </a:rPr>
+              <a:t>:</a:t>
+            </a:r>
+            <a:r>
+              <a:rPr lang="zh-CN" altLang="en-US" sz="2400" dirty="0">
+                <a:latin typeface="標楷體" panose="03000509000000000000" pitchFamily="65" charset="-120"/>
+                <a:ea typeface="標楷體" panose="03000509000000000000" pitchFamily="65" charset="-120"/>
+              </a:rPr>
+              <a:t>该表单允许用户更改当前密码。</a:t>
+            </a:r>
+            <a:endParaRPr lang="en-US" altLang="zh-CN" sz="2400" spc="-370" dirty="0">
+              <a:solidFill>
+                <a:srgbClr val="252525"/>
+              </a:solidFill>
+              <a:latin typeface="標楷體" panose="03000509000000000000" pitchFamily="65" charset="-120"/>
+              <a:ea typeface="標楷體" panose="03000509000000000000" pitchFamily="65" charset="-120"/>
+              <a:cs typeface="SimSun"/>
+            </a:endParaRPr>
+          </a:p>
+          <a:p>
+            <a:pPr marL="355600" indent="-342900">
+              <a:lnSpc>
+                <a:spcPct val="100000"/>
+              </a:lnSpc>
+              <a:spcBef>
+                <a:spcPts val="140"/>
+              </a:spcBef>
+              <a:buFont typeface="Arial" panose="020B0604020202020204" pitchFamily="34" charset="0"/>
+              <a:buChar char="•"/>
+            </a:pPr>
+            <a:r>
+              <a:rPr lang="en-US" altLang="zh-CN" sz="2400" spc="-370" dirty="0" err="1">
+                <a:solidFill>
+                  <a:srgbClr val="252525"/>
+                </a:solidFill>
+                <a:latin typeface="標楷體" panose="03000509000000000000" pitchFamily="65" charset="-120"/>
+                <a:ea typeface="標楷體" panose="03000509000000000000" pitchFamily="65" charset="-120"/>
+                <a:cs typeface="SimSun"/>
+              </a:rPr>
+              <a:t>CreateAccountForm</a:t>
+            </a:r>
+            <a:r>
+              <a:rPr lang="zh-CN" altLang="en-US" sz="2400" dirty="0">
+                <a:latin typeface="標楷體" panose="03000509000000000000" pitchFamily="65" charset="-120"/>
+                <a:ea typeface="標楷體" panose="03000509000000000000" pitchFamily="65" charset="-120"/>
+              </a:rPr>
+              <a:t>（创建账户表单）</a:t>
+            </a:r>
+            <a:r>
+              <a:rPr lang="en-US" altLang="zh-CN" sz="2400" spc="-370" dirty="0">
+                <a:solidFill>
+                  <a:srgbClr val="252525"/>
+                </a:solidFill>
+                <a:latin typeface="標楷體" panose="03000509000000000000" pitchFamily="65" charset="-120"/>
+                <a:ea typeface="標楷體" panose="03000509000000000000" pitchFamily="65" charset="-120"/>
+                <a:cs typeface="SimSun"/>
+              </a:rPr>
+              <a:t>:</a:t>
+            </a:r>
+            <a:r>
+              <a:rPr lang="zh-CN" altLang="en-US" sz="2400" dirty="0">
+                <a:latin typeface="標楷體" panose="03000509000000000000" pitchFamily="65" charset="-120"/>
+                <a:ea typeface="標楷體" panose="03000509000000000000" pitchFamily="65" charset="-120"/>
+              </a:rPr>
+              <a:t>用户注册新账户时使用的表单。</a:t>
+            </a:r>
+            <a:endParaRPr lang="en-US" altLang="zh-CN" sz="2400" spc="-370" dirty="0">
+              <a:solidFill>
+                <a:srgbClr val="252525"/>
+              </a:solidFill>
+              <a:latin typeface="標楷體" panose="03000509000000000000" pitchFamily="65" charset="-120"/>
+              <a:ea typeface="標楷體" panose="03000509000000000000" pitchFamily="65" charset="-120"/>
+              <a:cs typeface="SimSun"/>
+            </a:endParaRPr>
+          </a:p>
+          <a:p>
+            <a:pPr marL="355600" indent="-342900">
+              <a:lnSpc>
+                <a:spcPct val="100000"/>
+              </a:lnSpc>
+              <a:spcBef>
+                <a:spcPts val="140"/>
+              </a:spcBef>
+              <a:buFont typeface="Arial" panose="020B0604020202020204" pitchFamily="34" charset="0"/>
+              <a:buChar char="•"/>
+            </a:pPr>
+            <a:r>
+              <a:rPr lang="en-US" altLang="zh-CN" sz="2400" spc="-370" dirty="0" err="1">
+                <a:solidFill>
+                  <a:srgbClr val="252525"/>
+                </a:solidFill>
+                <a:latin typeface="標楷體" panose="03000509000000000000" pitchFamily="65" charset="-120"/>
+                <a:ea typeface="標楷體" panose="03000509000000000000" pitchFamily="65" charset="-120"/>
+                <a:cs typeface="SimSun"/>
+              </a:rPr>
+              <a:t>MainMenuForm</a:t>
+            </a:r>
+            <a:r>
+              <a:rPr lang="zh-CN" altLang="en-US" sz="2400" dirty="0">
+                <a:latin typeface="標楷體" panose="03000509000000000000" pitchFamily="65" charset="-120"/>
+                <a:ea typeface="標楷體" panose="03000509000000000000" pitchFamily="65" charset="-120"/>
+              </a:rPr>
+              <a:t>（主菜单表单）</a:t>
+            </a:r>
+            <a:r>
+              <a:rPr lang="en-US" altLang="zh-CN" sz="2400" spc="-370" dirty="0">
+                <a:solidFill>
+                  <a:srgbClr val="252525"/>
+                </a:solidFill>
+                <a:latin typeface="標楷體" panose="03000509000000000000" pitchFamily="65" charset="-120"/>
+                <a:ea typeface="標楷體" panose="03000509000000000000" pitchFamily="65" charset="-120"/>
+                <a:cs typeface="SimSun"/>
+              </a:rPr>
+              <a:t>:</a:t>
+            </a:r>
+            <a:r>
+              <a:rPr lang="zh-CN" altLang="en-US" sz="2400" dirty="0">
+                <a:latin typeface="標楷體" panose="03000509000000000000" pitchFamily="65" charset="-120"/>
+                <a:ea typeface="標楷體" panose="03000509000000000000" pitchFamily="65" charset="-120"/>
+              </a:rPr>
+              <a:t>是应用程序或游戏的主界面</a:t>
+            </a:r>
+            <a:endParaRPr lang="en-US" altLang="zh-CN" sz="2400" spc="-370" dirty="0">
+              <a:solidFill>
+                <a:srgbClr val="252525"/>
+              </a:solidFill>
+              <a:latin typeface="標楷體" panose="03000509000000000000" pitchFamily="65" charset="-120"/>
+              <a:ea typeface="標楷體" panose="03000509000000000000" pitchFamily="65" charset="-120"/>
+              <a:cs typeface="SimSun"/>
+            </a:endParaRPr>
+          </a:p>
+          <a:p>
+            <a:pPr marL="355600" indent="-342900">
+              <a:lnSpc>
+                <a:spcPct val="100000"/>
+              </a:lnSpc>
+              <a:spcBef>
+                <a:spcPts val="140"/>
+              </a:spcBef>
+              <a:buFont typeface="Arial" panose="020B0604020202020204" pitchFamily="34" charset="0"/>
+              <a:buChar char="•"/>
+            </a:pPr>
+            <a:r>
+              <a:rPr lang="en-US" altLang="zh-CN" sz="2400" spc="-370" dirty="0" err="1">
+                <a:solidFill>
+                  <a:srgbClr val="252525"/>
+                </a:solidFill>
+                <a:latin typeface="標楷體" panose="03000509000000000000" pitchFamily="65" charset="-120"/>
+                <a:ea typeface="標楷體" panose="03000509000000000000" pitchFamily="65" charset="-120"/>
+                <a:cs typeface="SimSun"/>
+              </a:rPr>
+              <a:t>GameForm</a:t>
+            </a:r>
+            <a:r>
+              <a:rPr lang="zh-CN" altLang="en-US" sz="2400" dirty="0">
+                <a:latin typeface="標楷體" panose="03000509000000000000" pitchFamily="65" charset="-120"/>
+                <a:ea typeface="標楷體" panose="03000509000000000000" pitchFamily="65" charset="-120"/>
+              </a:rPr>
+              <a:t>（游戏表单）</a:t>
+            </a:r>
+            <a:r>
+              <a:rPr lang="en-US" altLang="zh-CN" sz="2400" spc="-370" dirty="0">
+                <a:solidFill>
+                  <a:srgbClr val="252525"/>
+                </a:solidFill>
+                <a:latin typeface="標楷體" panose="03000509000000000000" pitchFamily="65" charset="-120"/>
+                <a:ea typeface="標楷體" panose="03000509000000000000" pitchFamily="65" charset="-120"/>
+                <a:cs typeface="SimSun"/>
+              </a:rPr>
+              <a:t>:</a:t>
+            </a:r>
+            <a:r>
+              <a:rPr lang="zh-CN" altLang="en-US" sz="2400" dirty="0">
+                <a:latin typeface="標楷體" panose="03000509000000000000" pitchFamily="65" charset="-120"/>
+                <a:ea typeface="標楷體" panose="03000509000000000000" pitchFamily="65" charset="-120"/>
+              </a:rPr>
+              <a:t>该表单是与游戏本身互动的界面</a:t>
+            </a:r>
+            <a:endParaRPr lang="en-US" altLang="zh-CN" sz="2400" spc="-370" dirty="0">
+              <a:solidFill>
+                <a:srgbClr val="252525"/>
+              </a:solidFill>
+              <a:latin typeface="標楷體" panose="03000509000000000000" pitchFamily="65" charset="-120"/>
+              <a:ea typeface="標楷體" panose="03000509000000000000" pitchFamily="65" charset="-120"/>
+              <a:cs typeface="SimSun"/>
+            </a:endParaRPr>
+          </a:p>
+          <a:p>
+            <a:pPr marL="355600" indent="-342900">
+              <a:lnSpc>
+                <a:spcPct val="100000"/>
+              </a:lnSpc>
+              <a:spcBef>
+                <a:spcPts val="140"/>
+              </a:spcBef>
+              <a:buFont typeface="Arial" panose="020B0604020202020204" pitchFamily="34" charset="0"/>
+              <a:buChar char="•"/>
+            </a:pPr>
+            <a:r>
+              <a:rPr lang="en-US" altLang="zh-CN" sz="2400" spc="-370" dirty="0" err="1">
+                <a:solidFill>
+                  <a:srgbClr val="252525"/>
+                </a:solidFill>
+                <a:latin typeface="標楷體" panose="03000509000000000000" pitchFamily="65" charset="-120"/>
+                <a:ea typeface="標楷體" panose="03000509000000000000" pitchFamily="65" charset="-120"/>
+                <a:cs typeface="SimSun"/>
+              </a:rPr>
+              <a:t>RecordForm</a:t>
+            </a:r>
+            <a:r>
+              <a:rPr lang="zh-CN" altLang="en-US" sz="2400" dirty="0">
+                <a:latin typeface="標楷體" panose="03000509000000000000" pitchFamily="65" charset="-120"/>
+                <a:ea typeface="標楷體" panose="03000509000000000000" pitchFamily="65" charset="-120"/>
+              </a:rPr>
+              <a:t>（记录表单）</a:t>
+            </a:r>
+            <a:r>
+              <a:rPr lang="en-US" altLang="zh-CN" sz="2400" spc="-385" dirty="0">
+                <a:solidFill>
+                  <a:srgbClr val="252525"/>
+                </a:solidFill>
+                <a:latin typeface="標楷體" panose="03000509000000000000" pitchFamily="65" charset="-120"/>
+                <a:ea typeface="標楷體" panose="03000509000000000000" pitchFamily="65" charset="-120"/>
+                <a:cs typeface="SimSun"/>
+              </a:rPr>
+              <a:t>:</a:t>
+            </a:r>
+            <a:r>
+              <a:rPr lang="zh-CN" altLang="en-US" sz="2400" dirty="0">
+                <a:latin typeface="標楷體" panose="03000509000000000000" pitchFamily="65" charset="-120"/>
+                <a:ea typeface="標楷體" panose="03000509000000000000" pitchFamily="65" charset="-120"/>
+              </a:rPr>
+              <a:t>用于存储或展示用户的记录或统计数据的表单</a:t>
+            </a:r>
+            <a:endParaRPr lang="en-US" altLang="zh-CN" sz="2400" spc="-370" dirty="0">
+              <a:solidFill>
+                <a:srgbClr val="252525"/>
+              </a:solidFill>
+              <a:latin typeface="標楷體" panose="03000509000000000000" pitchFamily="65" charset="-120"/>
+              <a:ea typeface="標楷體" panose="03000509000000000000" pitchFamily="65" charset="-120"/>
+              <a:cs typeface="SimSun"/>
+            </a:endParaRPr>
+          </a:p>
+        </p:txBody>
+      </p:sp>
+      <p:sp>
+        <p:nvSpPr>
+          <p:cNvPr id="4" name="object 4">
+            <a:extLst>
+              <a:ext uri="{FF2B5EF4-FFF2-40B4-BE49-F238E27FC236}">
+                <a16:creationId xmlns:a16="http://schemas.microsoft.com/office/drawing/2014/main" id="{35383435-4C33-4A8D-9BAB-62D8AE251047}"/>
+              </a:ext>
+            </a:extLst>
+          </p:cNvPr>
+          <p:cNvSpPr txBox="1">
+            <a:spLocks/>
+          </p:cNvSpPr>
+          <p:nvPr/>
+        </p:nvSpPr>
+        <p:spPr>
+          <a:xfrm>
+            <a:off x="1162578" y="484406"/>
+            <a:ext cx="6381221" cy="951543"/>
+          </a:xfrm>
+          <a:prstGeom prst="rect">
+            <a:avLst/>
+          </a:prstGeom>
+        </p:spPr>
+        <p:txBody>
+          <a:bodyPr vert="horz" wrap="square" lIns="0" tIns="12700" rIns="0" bIns="0" rtlCol="0">
+            <a:spAutoFit/>
+          </a:bodyPr>
+          <a:lstStyle>
+            <a:lvl1pPr>
+              <a:defRPr>
+                <a:latin typeface="+mj-lt"/>
+                <a:ea typeface="+mj-ea"/>
+                <a:cs typeface="+mj-cs"/>
+              </a:defRPr>
+            </a:lvl1pPr>
+          </a:lstStyle>
+          <a:p>
+            <a:pPr marL="12700">
+              <a:spcBef>
+                <a:spcPts val="100"/>
+              </a:spcBef>
+            </a:pPr>
+            <a:r>
+              <a:rPr lang="zh-CN" altLang="en-US" sz="6100" spc="-750" dirty="0">
+                <a:latin typeface="+mn-ea"/>
+                <a:ea typeface="+mn-ea"/>
+              </a:rPr>
+              <a:t>介绍 </a:t>
+            </a:r>
+            <a:r>
+              <a:rPr lang="en-US" altLang="zh-CN" sz="6100" spc="-750" dirty="0">
+                <a:latin typeface="+mn-ea"/>
+                <a:ea typeface="+mn-ea"/>
+              </a:rPr>
+              <a:t>Form </a:t>
+            </a:r>
+            <a:r>
+              <a:rPr lang="zh-CN" altLang="en-US" sz="6100" spc="-750" dirty="0">
+                <a:latin typeface="+mn-ea"/>
+                <a:ea typeface="+mn-ea"/>
+              </a:rPr>
+              <a:t>的实作</a:t>
+            </a:r>
+            <a:endParaRPr lang="zh-TW" altLang="en-US" sz="6100" dirty="0">
+              <a:latin typeface="+mn-ea"/>
+              <a:ea typeface="+mn-ea"/>
+            </a:endParaRPr>
+          </a:p>
+        </p:txBody>
+      </p:sp>
+      <p:grpSp>
+        <p:nvGrpSpPr>
+          <p:cNvPr id="5" name="object 5">
+            <a:extLst>
+              <a:ext uri="{FF2B5EF4-FFF2-40B4-BE49-F238E27FC236}">
+                <a16:creationId xmlns:a16="http://schemas.microsoft.com/office/drawing/2014/main" id="{536E47D9-B4B2-4F9C-933C-61463AA6EFC6}"/>
+              </a:ext>
+            </a:extLst>
+          </p:cNvPr>
+          <p:cNvGrpSpPr/>
+          <p:nvPr/>
+        </p:nvGrpSpPr>
+        <p:grpSpPr>
+          <a:xfrm>
+            <a:off x="264373" y="632296"/>
+            <a:ext cx="724535" cy="685800"/>
+            <a:chOff x="264373" y="632296"/>
+            <a:chExt cx="724535" cy="685800"/>
+          </a:xfrm>
+        </p:grpSpPr>
+        <p:sp>
+          <p:nvSpPr>
+            <p:cNvPr id="6" name="object 6">
+              <a:extLst>
+                <a:ext uri="{FF2B5EF4-FFF2-40B4-BE49-F238E27FC236}">
+                  <a16:creationId xmlns:a16="http://schemas.microsoft.com/office/drawing/2014/main" id="{8D71D559-80BC-4CAE-896C-4E79AB48E7A1}"/>
+                </a:ext>
+              </a:extLst>
+            </p:cNvPr>
+            <p:cNvSpPr/>
+            <p:nvPr/>
+          </p:nvSpPr>
+          <p:spPr>
+            <a:xfrm>
+              <a:off x="430251" y="759225"/>
+              <a:ext cx="558165" cy="559435"/>
+            </a:xfrm>
+            <a:custGeom>
+              <a:avLst/>
+              <a:gdLst/>
+              <a:ahLst/>
+              <a:cxnLst/>
+              <a:rect l="l" t="t" r="r" b="b"/>
+              <a:pathLst>
+                <a:path w="558165" h="559435">
+                  <a:moveTo>
+                    <a:pt x="465065" y="558867"/>
+                  </a:moveTo>
+                  <a:lnTo>
+                    <a:pt x="93051" y="558867"/>
+                  </a:lnTo>
+                  <a:lnTo>
+                    <a:pt x="56841" y="551542"/>
+                  </a:lnTo>
+                  <a:lnTo>
+                    <a:pt x="27262" y="531568"/>
+                  </a:lnTo>
+                  <a:lnTo>
+                    <a:pt x="7315" y="501950"/>
+                  </a:lnTo>
+                  <a:lnTo>
+                    <a:pt x="0" y="465691"/>
+                  </a:lnTo>
+                  <a:lnTo>
+                    <a:pt x="0" y="93176"/>
+                  </a:lnTo>
+                  <a:lnTo>
+                    <a:pt x="7315" y="56917"/>
+                  </a:lnTo>
+                  <a:lnTo>
+                    <a:pt x="27262" y="27299"/>
+                  </a:lnTo>
+                  <a:lnTo>
+                    <a:pt x="56841" y="7325"/>
+                  </a:lnTo>
+                  <a:lnTo>
+                    <a:pt x="93051" y="0"/>
+                  </a:lnTo>
+                  <a:lnTo>
+                    <a:pt x="465065" y="0"/>
+                  </a:lnTo>
+                  <a:lnTo>
+                    <a:pt x="501275" y="7325"/>
+                  </a:lnTo>
+                  <a:lnTo>
+                    <a:pt x="530854" y="27299"/>
+                  </a:lnTo>
+                  <a:lnTo>
+                    <a:pt x="550801" y="56917"/>
+                  </a:lnTo>
+                  <a:lnTo>
+                    <a:pt x="558117" y="93176"/>
+                  </a:lnTo>
+                  <a:lnTo>
+                    <a:pt x="558117" y="465691"/>
+                  </a:lnTo>
+                  <a:lnTo>
+                    <a:pt x="550801" y="501950"/>
+                  </a:lnTo>
+                  <a:lnTo>
+                    <a:pt x="530854" y="531568"/>
+                  </a:lnTo>
+                  <a:lnTo>
+                    <a:pt x="501275" y="551542"/>
+                  </a:lnTo>
+                  <a:lnTo>
+                    <a:pt x="465065" y="558867"/>
+                  </a:lnTo>
+                  <a:close/>
+                </a:path>
+              </a:pathLst>
+            </a:custGeom>
+            <a:solidFill>
+              <a:srgbClr val="4472C3"/>
+            </a:solidFill>
+          </p:spPr>
+          <p:txBody>
+            <a:bodyPr wrap="square" lIns="0" tIns="0" rIns="0" bIns="0" rtlCol="0"/>
+            <a:lstStyle/>
+            <a:p>
+              <a:endParaRPr>
+                <a:latin typeface="+mn-ea"/>
+                <a:ea typeface="+mn-ea"/>
+              </a:endParaRPr>
+            </a:p>
+          </p:txBody>
+        </p:sp>
+        <p:sp>
+          <p:nvSpPr>
+            <p:cNvPr id="7" name="object 7">
+              <a:extLst>
+                <a:ext uri="{FF2B5EF4-FFF2-40B4-BE49-F238E27FC236}">
+                  <a16:creationId xmlns:a16="http://schemas.microsoft.com/office/drawing/2014/main" id="{B7894DB8-C70D-40C7-B5E7-EADDF66FB61D}"/>
+                </a:ext>
+              </a:extLst>
+            </p:cNvPr>
+            <p:cNvSpPr/>
+            <p:nvPr/>
+          </p:nvSpPr>
+          <p:spPr>
+            <a:xfrm>
+              <a:off x="264373" y="632296"/>
+              <a:ext cx="375920" cy="376555"/>
+            </a:xfrm>
+            <a:custGeom>
+              <a:avLst/>
+              <a:gdLst/>
+              <a:ahLst/>
+              <a:cxnLst/>
+              <a:rect l="l" t="t" r="r" b="b"/>
+              <a:pathLst>
+                <a:path w="375920" h="376555">
+                  <a:moveTo>
+                    <a:pt x="313145" y="376318"/>
+                  </a:moveTo>
+                  <a:lnTo>
+                    <a:pt x="62667" y="376318"/>
+                  </a:lnTo>
+                  <a:lnTo>
+                    <a:pt x="38294" y="371393"/>
+                  </a:lnTo>
+                  <a:lnTo>
+                    <a:pt x="18372" y="357956"/>
+                  </a:lnTo>
+                  <a:lnTo>
+                    <a:pt x="4931" y="338012"/>
+                  </a:lnTo>
+                  <a:lnTo>
+                    <a:pt x="0" y="313566"/>
+                  </a:lnTo>
+                  <a:lnTo>
+                    <a:pt x="0" y="62751"/>
+                  </a:lnTo>
+                  <a:lnTo>
+                    <a:pt x="4918" y="38305"/>
+                  </a:lnTo>
+                  <a:lnTo>
+                    <a:pt x="18337" y="18361"/>
+                  </a:lnTo>
+                  <a:lnTo>
+                    <a:pt x="38254" y="4924"/>
+                  </a:lnTo>
+                  <a:lnTo>
+                    <a:pt x="62667" y="0"/>
+                  </a:lnTo>
+                  <a:lnTo>
+                    <a:pt x="313145" y="0"/>
+                  </a:lnTo>
+                  <a:lnTo>
+                    <a:pt x="337518" y="4924"/>
+                  </a:lnTo>
+                  <a:lnTo>
+                    <a:pt x="357439" y="18361"/>
+                  </a:lnTo>
+                  <a:lnTo>
+                    <a:pt x="370881" y="38305"/>
+                  </a:lnTo>
+                  <a:lnTo>
+                    <a:pt x="375812" y="62751"/>
+                  </a:lnTo>
+                  <a:lnTo>
+                    <a:pt x="375812" y="313566"/>
+                  </a:lnTo>
+                  <a:lnTo>
+                    <a:pt x="370894" y="337972"/>
+                  </a:lnTo>
+                  <a:lnTo>
+                    <a:pt x="357475" y="357920"/>
+                  </a:lnTo>
+                  <a:lnTo>
+                    <a:pt x="337558" y="371380"/>
+                  </a:lnTo>
+                  <a:lnTo>
+                    <a:pt x="313145" y="376318"/>
+                  </a:lnTo>
+                  <a:close/>
+                </a:path>
+              </a:pathLst>
+            </a:custGeom>
+            <a:solidFill>
+              <a:srgbClr val="EC7D31"/>
+            </a:solidFill>
+          </p:spPr>
+          <p:txBody>
+            <a:bodyPr wrap="square" lIns="0" tIns="0" rIns="0" bIns="0" rtlCol="0"/>
+            <a:lstStyle/>
+            <a:p>
+              <a:endParaRPr>
+                <a:latin typeface="+mn-ea"/>
+                <a:ea typeface="+mn-ea"/>
+              </a:endParaRPr>
+            </a:p>
+          </p:txBody>
+        </p:sp>
+      </p:grpSp>
+    </p:spTree>
+    <p:extLst>
+      <p:ext uri="{BB962C8B-B14F-4D97-AF65-F5344CB8AC3E}">
+        <p14:creationId xmlns:p14="http://schemas.microsoft.com/office/powerpoint/2010/main" val="2567571021"/>
+      </p:ext>
+    </p:extLst>
+  </p:cSld>
+  <p:clrMapOvr>
+    <a:masterClrMapping/>
+  </p:clrMapOvr>
+</p:sld>
+</file>
+
+<file path=ppt/slides/slide9.xml><?xml version="1.0" encoding="utf-8"?>
 <p:sld xmlns:a="http://schemas.openxmlformats.org/drawingml/2006/main" xmlns:r="http://schemas.openxmlformats.org/officeDocument/2006/relationships" xmlns:p="http://schemas.openxmlformats.org/presentationml/2006/main" showMasterSp="0">
   <p:cSld>
     <p:spTree>
@@ -18477,109 +19780,6 @@
         </p:txBody>
       </p:sp>
     </p:spTree>
-  </p:cSld>
-  <p:clrMapOvr>
-    <a:masterClrMapping/>
-  </p:clrMapOvr>
-</p:sld>
-</file>
-
-<file path=ppt/slides/slide9.xml><?xml version="1.0" encoding="utf-8"?>
-<p:sld xmlns:a="http://schemas.openxmlformats.org/drawingml/2006/main" xmlns:r="http://schemas.openxmlformats.org/officeDocument/2006/relationships" xmlns:p="http://schemas.openxmlformats.org/presentationml/2006/main">
-  <p:cSld>
-    <p:spTree>
-      <p:nvGrpSpPr>
-        <p:cNvPr id="1" name=""/>
-        <p:cNvGrpSpPr/>
-        <p:nvPr/>
-      </p:nvGrpSpPr>
-      <p:grpSpPr>
-        <a:xfrm>
-          <a:off x="0" y="0"/>
-          <a:ext cx="0" cy="0"/>
-          <a:chOff x="0" y="0"/>
-          <a:chExt cx="0" cy="0"/>
-        </a:xfrm>
-      </p:grpSpPr>
-      <p:sp>
-        <p:nvSpPr>
-          <p:cNvPr id="2" name="標題 1">
-            <a:extLst>
-              <a:ext uri="{FF2B5EF4-FFF2-40B4-BE49-F238E27FC236}">
-                <a16:creationId xmlns:a16="http://schemas.microsoft.com/office/drawing/2014/main" id="{66C9E3E2-1E83-44E6-90C8-CC999E57AEA0}"/>
-              </a:ext>
-            </a:extLst>
-          </p:cNvPr>
-          <p:cNvSpPr>
-            <a:spLocks noGrp="1"/>
-          </p:cNvSpPr>
-          <p:nvPr>
-            <p:ph type="title"/>
-          </p:nvPr>
-        </p:nvSpPr>
-        <p:spPr>
-          <a:xfrm>
-            <a:off x="5067300" y="723900"/>
-            <a:ext cx="8153400" cy="1059180"/>
-          </a:xfrm>
-        </p:spPr>
-        <p:txBody>
-          <a:bodyPr/>
-          <a:lstStyle/>
-          <a:p>
-            <a:pPr algn="ctr"/>
-            <a:r>
-              <a:rPr lang="zh-CN" altLang="en-US" dirty="0">
-                <a:latin typeface="標楷體" panose="03000509000000000000" pitchFamily="65" charset="-120"/>
-                <a:ea typeface="標楷體" panose="03000509000000000000" pitchFamily="65" charset="-120"/>
-              </a:rPr>
-              <a:t>主菜單</a:t>
-            </a:r>
-            <a:endParaRPr lang="zh-TW" altLang="en-US" dirty="0">
-              <a:latin typeface="標楷體" panose="03000509000000000000" pitchFamily="65" charset="-120"/>
-              <a:ea typeface="標楷體" panose="03000509000000000000" pitchFamily="65" charset="-120"/>
-            </a:endParaRPr>
-          </a:p>
-        </p:txBody>
-      </p:sp>
-      <p:pic>
-        <p:nvPicPr>
-          <p:cNvPr id="5" name="object 4">
-            <a:extLst>
-              <a:ext uri="{FF2B5EF4-FFF2-40B4-BE49-F238E27FC236}">
-                <a16:creationId xmlns:a16="http://schemas.microsoft.com/office/drawing/2014/main" id="{B8A90A6F-3C72-4986-9647-A56D0367ACA0}"/>
-              </a:ext>
-            </a:extLst>
-          </p:cNvPr>
-          <p:cNvPicPr>
-            <a:picLocks noGrp="1"/>
-          </p:cNvPicPr>
-          <p:nvPr>
-            <p:ph sz="half" idx="2"/>
-          </p:nvPr>
-        </p:nvPicPr>
-        <p:blipFill>
-          <a:blip r:embed="rId2" cstate="print"/>
-          <a:stretch>
-            <a:fillRect/>
-          </a:stretch>
-        </p:blipFill>
-        <p:spPr>
-          <a:xfrm>
-            <a:off x="6264000" y="3181500"/>
-            <a:ext cx="5760000" cy="3924000"/>
-          </a:xfrm>
-          <a:prstGeom prst="rect">
-            <a:avLst/>
-          </a:prstGeom>
-        </p:spPr>
-      </p:pic>
-    </p:spTree>
-    <p:extLst>
-      <p:ext uri="{BB962C8B-B14F-4D97-AF65-F5344CB8AC3E}">
-        <p14:creationId xmlns:p14="http://schemas.microsoft.com/office/powerpoint/2010/main" val="2782395636"/>
-      </p:ext>
-    </p:extLst>
   </p:cSld>
   <p:clrMapOvr>
     <a:masterClrMapping/>
